--- a/Controls.pptx
+++ b/Controls.pptx
@@ -104,6 +104,11 @@
       </a:defRPr>
     </a:lvl9pPr>
   </p:defaultTextStyle>
+  <p:extLst>
+    <p:ext uri="{EFAFB233-063F-42B5-8137-9DF3F51BA10A}">
+      <p15:sldGuideLst xmlns:p15="http://schemas.microsoft.com/office/powerpoint/2012/main"/>
+    </p:ext>
+  </p:extLst>
 </p:presentation>
 </file>
 
@@ -254,7 +259,7 @@
           <a:p>
             <a:fld id="{5C123993-4ADA-4712-8C1C-5A03B9DFC7AE}" type="datetimeFigureOut">
               <a:rPr lang="en-US" smtClean="0"/>
-              <a:t>2/20/2022</a:t>
+              <a:t>2/21/2022</a:t>
             </a:fld>
             <a:endParaRPr lang="en-US"/>
           </a:p>
@@ -452,7 +457,7 @@
           <a:p>
             <a:fld id="{5C123993-4ADA-4712-8C1C-5A03B9DFC7AE}" type="datetimeFigureOut">
               <a:rPr lang="en-US" smtClean="0"/>
-              <a:t>2/20/2022</a:t>
+              <a:t>2/21/2022</a:t>
             </a:fld>
             <a:endParaRPr lang="en-US"/>
           </a:p>
@@ -660,7 +665,7 @@
           <a:p>
             <a:fld id="{5C123993-4ADA-4712-8C1C-5A03B9DFC7AE}" type="datetimeFigureOut">
               <a:rPr lang="en-US" smtClean="0"/>
-              <a:t>2/20/2022</a:t>
+              <a:t>2/21/2022</a:t>
             </a:fld>
             <a:endParaRPr lang="en-US"/>
           </a:p>
@@ -858,7 +863,7 @@
           <a:p>
             <a:fld id="{5C123993-4ADA-4712-8C1C-5A03B9DFC7AE}" type="datetimeFigureOut">
               <a:rPr lang="en-US" smtClean="0"/>
-              <a:t>2/20/2022</a:t>
+              <a:t>2/21/2022</a:t>
             </a:fld>
             <a:endParaRPr lang="en-US"/>
           </a:p>
@@ -1133,7 +1138,7 @@
           <a:p>
             <a:fld id="{5C123993-4ADA-4712-8C1C-5A03B9DFC7AE}" type="datetimeFigureOut">
               <a:rPr lang="en-US" smtClean="0"/>
-              <a:t>2/20/2022</a:t>
+              <a:t>2/21/2022</a:t>
             </a:fld>
             <a:endParaRPr lang="en-US"/>
           </a:p>
@@ -1398,7 +1403,7 @@
           <a:p>
             <a:fld id="{5C123993-4ADA-4712-8C1C-5A03B9DFC7AE}" type="datetimeFigureOut">
               <a:rPr lang="en-US" smtClean="0"/>
-              <a:t>2/20/2022</a:t>
+              <a:t>2/21/2022</a:t>
             </a:fld>
             <a:endParaRPr lang="en-US"/>
           </a:p>
@@ -1810,7 +1815,7 @@
           <a:p>
             <a:fld id="{5C123993-4ADA-4712-8C1C-5A03B9DFC7AE}" type="datetimeFigureOut">
               <a:rPr lang="en-US" smtClean="0"/>
-              <a:t>2/20/2022</a:t>
+              <a:t>2/21/2022</a:t>
             </a:fld>
             <a:endParaRPr lang="en-US"/>
           </a:p>
@@ -1951,7 +1956,7 @@
           <a:p>
             <a:fld id="{5C123993-4ADA-4712-8C1C-5A03B9DFC7AE}" type="datetimeFigureOut">
               <a:rPr lang="en-US" smtClean="0"/>
-              <a:t>2/20/2022</a:t>
+              <a:t>2/21/2022</a:t>
             </a:fld>
             <a:endParaRPr lang="en-US"/>
           </a:p>
@@ -2064,7 +2069,7 @@
           <a:p>
             <a:fld id="{5C123993-4ADA-4712-8C1C-5A03B9DFC7AE}" type="datetimeFigureOut">
               <a:rPr lang="en-US" smtClean="0"/>
-              <a:t>2/20/2022</a:t>
+              <a:t>2/21/2022</a:t>
             </a:fld>
             <a:endParaRPr lang="en-US"/>
           </a:p>
@@ -2375,7 +2380,7 @@
           <a:p>
             <a:fld id="{5C123993-4ADA-4712-8C1C-5A03B9DFC7AE}" type="datetimeFigureOut">
               <a:rPr lang="en-US" smtClean="0"/>
-              <a:t>2/20/2022</a:t>
+              <a:t>2/21/2022</a:t>
             </a:fld>
             <a:endParaRPr lang="en-US"/>
           </a:p>
@@ -2663,7 +2668,7 @@
           <a:p>
             <a:fld id="{5C123993-4ADA-4712-8C1C-5A03B9DFC7AE}" type="datetimeFigureOut">
               <a:rPr lang="en-US" smtClean="0"/>
-              <a:t>2/20/2022</a:t>
+              <a:t>2/21/2022</a:t>
             </a:fld>
             <a:endParaRPr lang="en-US"/>
           </a:p>
@@ -2904,7 +2909,7 @@
           <a:p>
             <a:fld id="{5C123993-4ADA-4712-8C1C-5A03B9DFC7AE}" type="datetimeFigureOut">
               <a:rPr lang="en-US" smtClean="0"/>
-              <a:t>2/20/2022</a:t>
+              <a:t>2/21/2022</a:t>
             </a:fld>
             <a:endParaRPr lang="en-US"/>
           </a:p>
@@ -3801,7 +3806,7 @@
           <a:p>
             <a:r>
               <a:rPr lang="en-US" sz="1400" dirty="0"/>
-              <a:t>Elevator (override) </a:t>
+              <a:t>Short  Shoot</a:t>
             </a:r>
           </a:p>
         </p:txBody>

--- a/Controls.pptx
+++ b/Controls.pptx
@@ -5,7 +5,9 @@
     <p:sldMasterId id="2147483648" r:id="rId1"/>
   </p:sldMasterIdLst>
   <p:sldIdLst>
-    <p:sldId id="256" r:id="rId2"/>
+    <p:sldId id="257" r:id="rId2"/>
+    <p:sldId id="258" r:id="rId3"/>
+    <p:sldId id="256" r:id="rId4"/>
   </p:sldIdLst>
   <p:sldSz cx="12192000" cy="6858000"/>
   <p:notesSz cx="6858000" cy="9144000"/>
@@ -259,7 +261,7 @@
           <a:p>
             <a:fld id="{5C123993-4ADA-4712-8C1C-5A03B9DFC7AE}" type="datetimeFigureOut">
               <a:rPr lang="en-US" smtClean="0"/>
-              <a:t>2/21/2022</a:t>
+              <a:t>2/22/2022</a:t>
             </a:fld>
             <a:endParaRPr lang="en-US"/>
           </a:p>
@@ -457,7 +459,7 @@
           <a:p>
             <a:fld id="{5C123993-4ADA-4712-8C1C-5A03B9DFC7AE}" type="datetimeFigureOut">
               <a:rPr lang="en-US" smtClean="0"/>
-              <a:t>2/21/2022</a:t>
+              <a:t>2/22/2022</a:t>
             </a:fld>
             <a:endParaRPr lang="en-US"/>
           </a:p>
@@ -665,7 +667,7 @@
           <a:p>
             <a:fld id="{5C123993-4ADA-4712-8C1C-5A03B9DFC7AE}" type="datetimeFigureOut">
               <a:rPr lang="en-US" smtClean="0"/>
-              <a:t>2/21/2022</a:t>
+              <a:t>2/22/2022</a:t>
             </a:fld>
             <a:endParaRPr lang="en-US"/>
           </a:p>
@@ -863,7 +865,7 @@
           <a:p>
             <a:fld id="{5C123993-4ADA-4712-8C1C-5A03B9DFC7AE}" type="datetimeFigureOut">
               <a:rPr lang="en-US" smtClean="0"/>
-              <a:t>2/21/2022</a:t>
+              <a:t>2/22/2022</a:t>
             </a:fld>
             <a:endParaRPr lang="en-US"/>
           </a:p>
@@ -1138,7 +1140,7 @@
           <a:p>
             <a:fld id="{5C123993-4ADA-4712-8C1C-5A03B9DFC7AE}" type="datetimeFigureOut">
               <a:rPr lang="en-US" smtClean="0"/>
-              <a:t>2/21/2022</a:t>
+              <a:t>2/22/2022</a:t>
             </a:fld>
             <a:endParaRPr lang="en-US"/>
           </a:p>
@@ -1403,7 +1405,7 @@
           <a:p>
             <a:fld id="{5C123993-4ADA-4712-8C1C-5A03B9DFC7AE}" type="datetimeFigureOut">
               <a:rPr lang="en-US" smtClean="0"/>
-              <a:t>2/21/2022</a:t>
+              <a:t>2/22/2022</a:t>
             </a:fld>
             <a:endParaRPr lang="en-US"/>
           </a:p>
@@ -1815,7 +1817,7 @@
           <a:p>
             <a:fld id="{5C123993-4ADA-4712-8C1C-5A03B9DFC7AE}" type="datetimeFigureOut">
               <a:rPr lang="en-US" smtClean="0"/>
-              <a:t>2/21/2022</a:t>
+              <a:t>2/22/2022</a:t>
             </a:fld>
             <a:endParaRPr lang="en-US"/>
           </a:p>
@@ -1956,7 +1958,7 @@
           <a:p>
             <a:fld id="{5C123993-4ADA-4712-8C1C-5A03B9DFC7AE}" type="datetimeFigureOut">
               <a:rPr lang="en-US" smtClean="0"/>
-              <a:t>2/21/2022</a:t>
+              <a:t>2/22/2022</a:t>
             </a:fld>
             <a:endParaRPr lang="en-US"/>
           </a:p>
@@ -2069,7 +2071,7 @@
           <a:p>
             <a:fld id="{5C123993-4ADA-4712-8C1C-5A03B9DFC7AE}" type="datetimeFigureOut">
               <a:rPr lang="en-US" smtClean="0"/>
-              <a:t>2/21/2022</a:t>
+              <a:t>2/22/2022</a:t>
             </a:fld>
             <a:endParaRPr lang="en-US"/>
           </a:p>
@@ -2380,7 +2382,7 @@
           <a:p>
             <a:fld id="{5C123993-4ADA-4712-8C1C-5A03B9DFC7AE}" type="datetimeFigureOut">
               <a:rPr lang="en-US" smtClean="0"/>
-              <a:t>2/21/2022</a:t>
+              <a:t>2/22/2022</a:t>
             </a:fld>
             <a:endParaRPr lang="en-US"/>
           </a:p>
@@ -2668,7 +2670,7 @@
           <a:p>
             <a:fld id="{5C123993-4ADA-4712-8C1C-5A03B9DFC7AE}" type="datetimeFigureOut">
               <a:rPr lang="en-US" smtClean="0"/>
-              <a:t>2/21/2022</a:t>
+              <a:t>2/22/2022</a:t>
             </a:fld>
             <a:endParaRPr lang="en-US"/>
           </a:p>
@@ -2909,7 +2911,7 @@
           <a:p>
             <a:fld id="{5C123993-4ADA-4712-8C1C-5A03B9DFC7AE}" type="datetimeFigureOut">
               <a:rPr lang="en-US" smtClean="0"/>
-              <a:t>2/21/2022</a:t>
+              <a:t>2/22/2022</a:t>
             </a:fld>
             <a:endParaRPr lang="en-US"/>
           </a:p>
@@ -3326,6 +3328,996 @@
           <a:chExt cx="0" cy="0"/>
         </a:xfrm>
       </p:grpSpPr>
+      <p:sp>
+        <p:nvSpPr>
+          <p:cNvPr id="4" name="Rectangle 3">
+            <a:extLst>
+              <a:ext uri="{FF2B5EF4-FFF2-40B4-BE49-F238E27FC236}">
+                <a16:creationId xmlns:a16="http://schemas.microsoft.com/office/drawing/2014/main" id="{A319FC4C-0D1B-4026-BE44-6C0CDF10FB44}"/>
+              </a:ext>
+            </a:extLst>
+          </p:cNvPr>
+          <p:cNvSpPr/>
+          <p:nvPr/>
+        </p:nvSpPr>
+        <p:spPr>
+          <a:xfrm>
+            <a:off x="3427524" y="650404"/>
+            <a:ext cx="4418617" cy="5557192"/>
+          </a:xfrm>
+          <a:prstGeom prst="rect">
+            <a:avLst/>
+          </a:prstGeom>
+          <a:solidFill>
+            <a:schemeClr val="bg1"/>
+          </a:solidFill>
+        </p:spPr>
+        <p:style>
+          <a:lnRef idx="2">
+            <a:schemeClr val="accent1">
+              <a:shade val="50000"/>
+            </a:schemeClr>
+          </a:lnRef>
+          <a:fillRef idx="1">
+            <a:schemeClr val="accent1"/>
+          </a:fillRef>
+          <a:effectRef idx="0">
+            <a:schemeClr val="accent1"/>
+          </a:effectRef>
+          <a:fontRef idx="minor">
+            <a:schemeClr val="lt1"/>
+          </a:fontRef>
+        </p:style>
+        <p:txBody>
+          <a:bodyPr rtlCol="0" anchor="ctr"/>
+          <a:lstStyle/>
+          <a:p>
+            <a:pPr algn="ctr"/>
+            <a:endParaRPr lang="en-US"/>
+          </a:p>
+        </p:txBody>
+      </p:sp>
+      <p:sp>
+        <p:nvSpPr>
+          <p:cNvPr id="5" name="Rectangle 4">
+            <a:extLst>
+              <a:ext uri="{FF2B5EF4-FFF2-40B4-BE49-F238E27FC236}">
+                <a16:creationId xmlns:a16="http://schemas.microsoft.com/office/drawing/2014/main" id="{E659FC3F-7082-4402-BBBD-A2C9F952B83D}"/>
+              </a:ext>
+            </a:extLst>
+          </p:cNvPr>
+          <p:cNvSpPr/>
+          <p:nvPr/>
+        </p:nvSpPr>
+        <p:spPr>
+          <a:xfrm>
+            <a:off x="6555945" y="853336"/>
+            <a:ext cx="1032387" cy="890803"/>
+          </a:xfrm>
+          <a:prstGeom prst="rect">
+            <a:avLst/>
+          </a:prstGeom>
+        </p:spPr>
+        <p:style>
+          <a:lnRef idx="2">
+            <a:schemeClr val="accent1">
+              <a:shade val="50000"/>
+            </a:schemeClr>
+          </a:lnRef>
+          <a:fillRef idx="1">
+            <a:schemeClr val="accent1"/>
+          </a:fillRef>
+          <a:effectRef idx="0">
+            <a:schemeClr val="accent1"/>
+          </a:effectRef>
+          <a:fontRef idx="minor">
+            <a:schemeClr val="lt1"/>
+          </a:fontRef>
+        </p:style>
+        <p:txBody>
+          <a:bodyPr rtlCol="0" anchor="ctr"/>
+          <a:lstStyle/>
+          <a:p>
+            <a:pPr algn="ctr"/>
+            <a:r>
+              <a:rPr lang="en-US" dirty="0" err="1"/>
+              <a:t>RoboRio</a:t>
+            </a:r>
+            <a:endParaRPr lang="en-US" dirty="0"/>
+          </a:p>
+        </p:txBody>
+      </p:sp>
+      <p:sp>
+        <p:nvSpPr>
+          <p:cNvPr id="6" name="Rectangle 5">
+            <a:extLst>
+              <a:ext uri="{FF2B5EF4-FFF2-40B4-BE49-F238E27FC236}">
+                <a16:creationId xmlns:a16="http://schemas.microsoft.com/office/drawing/2014/main" id="{841A609A-8017-4D36-9926-06D2C42AE660}"/>
+              </a:ext>
+            </a:extLst>
+          </p:cNvPr>
+          <p:cNvSpPr/>
+          <p:nvPr/>
+        </p:nvSpPr>
+        <p:spPr>
+          <a:xfrm>
+            <a:off x="4596752" y="1220122"/>
+            <a:ext cx="513244" cy="401156"/>
+          </a:xfrm>
+          <a:prstGeom prst="rect">
+            <a:avLst/>
+          </a:prstGeom>
+        </p:spPr>
+        <p:style>
+          <a:lnRef idx="2">
+            <a:schemeClr val="accent1">
+              <a:shade val="50000"/>
+            </a:schemeClr>
+          </a:lnRef>
+          <a:fillRef idx="1">
+            <a:schemeClr val="accent1"/>
+          </a:fillRef>
+          <a:effectRef idx="0">
+            <a:schemeClr val="accent1"/>
+          </a:effectRef>
+          <a:fontRef idx="minor">
+            <a:schemeClr val="lt1"/>
+          </a:fontRef>
+        </p:style>
+        <p:txBody>
+          <a:bodyPr rtlCol="0" anchor="ctr"/>
+          <a:lstStyle/>
+          <a:p>
+            <a:pPr algn="ctr"/>
+            <a:r>
+              <a:rPr lang="en-US" sz="900" dirty="0"/>
+              <a:t>PCM</a:t>
+            </a:r>
+          </a:p>
+        </p:txBody>
+      </p:sp>
+      <p:sp>
+        <p:nvSpPr>
+          <p:cNvPr id="7" name="Rectangle 6">
+            <a:extLst>
+              <a:ext uri="{FF2B5EF4-FFF2-40B4-BE49-F238E27FC236}">
+                <a16:creationId xmlns:a16="http://schemas.microsoft.com/office/drawing/2014/main" id="{99A21E08-98E8-4557-9AB7-771D71760D18}"/>
+              </a:ext>
+            </a:extLst>
+          </p:cNvPr>
+          <p:cNvSpPr/>
+          <p:nvPr/>
+        </p:nvSpPr>
+        <p:spPr>
+          <a:xfrm>
+            <a:off x="3641506" y="1814133"/>
+            <a:ext cx="681724" cy="260350"/>
+          </a:xfrm>
+          <a:prstGeom prst="rect">
+            <a:avLst/>
+          </a:prstGeom>
+        </p:spPr>
+        <p:style>
+          <a:lnRef idx="2">
+            <a:schemeClr val="accent1">
+              <a:shade val="50000"/>
+            </a:schemeClr>
+          </a:lnRef>
+          <a:fillRef idx="1">
+            <a:schemeClr val="accent1"/>
+          </a:fillRef>
+          <a:effectRef idx="0">
+            <a:schemeClr val="accent1"/>
+          </a:effectRef>
+          <a:fontRef idx="minor">
+            <a:schemeClr val="lt1"/>
+          </a:fontRef>
+        </p:style>
+        <p:txBody>
+          <a:bodyPr rtlCol="0" anchor="ctr"/>
+          <a:lstStyle/>
+          <a:p>
+            <a:pPr algn="ctr"/>
+            <a:r>
+              <a:rPr lang="en-US" sz="1200" dirty="0"/>
+              <a:t>sweep</a:t>
+            </a:r>
+          </a:p>
+        </p:txBody>
+      </p:sp>
+      <p:sp>
+        <p:nvSpPr>
+          <p:cNvPr id="8" name="Rectangle 7">
+            <a:extLst>
+              <a:ext uri="{FF2B5EF4-FFF2-40B4-BE49-F238E27FC236}">
+                <a16:creationId xmlns:a16="http://schemas.microsoft.com/office/drawing/2014/main" id="{D21E95B1-632C-4492-B6BC-23609F588A44}"/>
+              </a:ext>
+            </a:extLst>
+          </p:cNvPr>
+          <p:cNvSpPr/>
+          <p:nvPr/>
+        </p:nvSpPr>
+        <p:spPr>
+          <a:xfrm>
+            <a:off x="4512512" y="1814133"/>
+            <a:ext cx="681724" cy="260350"/>
+          </a:xfrm>
+          <a:prstGeom prst="rect">
+            <a:avLst/>
+          </a:prstGeom>
+        </p:spPr>
+        <p:style>
+          <a:lnRef idx="2">
+            <a:schemeClr val="accent1">
+              <a:shade val="50000"/>
+            </a:schemeClr>
+          </a:lnRef>
+          <a:fillRef idx="1">
+            <a:schemeClr val="accent1"/>
+          </a:fillRef>
+          <a:effectRef idx="0">
+            <a:schemeClr val="accent1"/>
+          </a:effectRef>
+          <a:fontRef idx="minor">
+            <a:schemeClr val="lt1"/>
+          </a:fontRef>
+        </p:style>
+        <p:txBody>
+          <a:bodyPr rtlCol="0" anchor="ctr"/>
+          <a:lstStyle/>
+          <a:p>
+            <a:pPr algn="ctr"/>
+            <a:r>
+              <a:rPr lang="en-US" sz="1200" dirty="0"/>
+              <a:t>shift</a:t>
+            </a:r>
+          </a:p>
+        </p:txBody>
+      </p:sp>
+      <p:sp>
+        <p:nvSpPr>
+          <p:cNvPr id="9" name="Rectangle 8">
+            <a:extLst>
+              <a:ext uri="{FF2B5EF4-FFF2-40B4-BE49-F238E27FC236}">
+                <a16:creationId xmlns:a16="http://schemas.microsoft.com/office/drawing/2014/main" id="{60442BC7-E456-4DA9-A7E1-DAE3731E392D}"/>
+              </a:ext>
+            </a:extLst>
+          </p:cNvPr>
+          <p:cNvSpPr/>
+          <p:nvPr/>
+        </p:nvSpPr>
+        <p:spPr>
+          <a:xfrm>
+            <a:off x="3641506" y="2303083"/>
+            <a:ext cx="681724" cy="260350"/>
+          </a:xfrm>
+          <a:prstGeom prst="rect">
+            <a:avLst/>
+          </a:prstGeom>
+        </p:spPr>
+        <p:style>
+          <a:lnRef idx="2">
+            <a:schemeClr val="accent1">
+              <a:shade val="50000"/>
+            </a:schemeClr>
+          </a:lnRef>
+          <a:fillRef idx="1">
+            <a:schemeClr val="accent1"/>
+          </a:fillRef>
+          <a:effectRef idx="0">
+            <a:schemeClr val="accent1"/>
+          </a:effectRef>
+          <a:fontRef idx="minor">
+            <a:schemeClr val="lt1"/>
+          </a:fontRef>
+        </p:style>
+        <p:txBody>
+          <a:bodyPr rtlCol="0" anchor="ctr"/>
+          <a:lstStyle/>
+          <a:p>
+            <a:pPr algn="ctr"/>
+            <a:r>
+              <a:rPr lang="en-US" sz="1000" dirty="0"/>
+              <a:t>Ball gate</a:t>
+            </a:r>
+          </a:p>
+        </p:txBody>
+      </p:sp>
+      <p:sp>
+        <p:nvSpPr>
+          <p:cNvPr id="10" name="Rectangle 9">
+            <a:extLst>
+              <a:ext uri="{FF2B5EF4-FFF2-40B4-BE49-F238E27FC236}">
+                <a16:creationId xmlns:a16="http://schemas.microsoft.com/office/drawing/2014/main" id="{C30152F5-34CA-4934-9145-8B37FD1ED988}"/>
+              </a:ext>
+            </a:extLst>
+          </p:cNvPr>
+          <p:cNvSpPr/>
+          <p:nvPr/>
+        </p:nvSpPr>
+        <p:spPr>
+          <a:xfrm>
+            <a:off x="4519201" y="2300972"/>
+            <a:ext cx="681724" cy="260350"/>
+          </a:xfrm>
+          <a:prstGeom prst="rect">
+            <a:avLst/>
+          </a:prstGeom>
+        </p:spPr>
+        <p:style>
+          <a:lnRef idx="2">
+            <a:schemeClr val="accent1">
+              <a:shade val="50000"/>
+            </a:schemeClr>
+          </a:lnRef>
+          <a:fillRef idx="1">
+            <a:schemeClr val="accent1"/>
+          </a:fillRef>
+          <a:effectRef idx="0">
+            <a:schemeClr val="accent1"/>
+          </a:effectRef>
+          <a:fontRef idx="minor">
+            <a:schemeClr val="lt1"/>
+          </a:fontRef>
+        </p:style>
+        <p:txBody>
+          <a:bodyPr rtlCol="0" anchor="ctr"/>
+          <a:lstStyle/>
+          <a:p>
+            <a:pPr algn="ctr"/>
+            <a:r>
+              <a:rPr lang="en-US" sz="900" dirty="0"/>
+              <a:t>Ball shoot</a:t>
+            </a:r>
+          </a:p>
+        </p:txBody>
+      </p:sp>
+      <p:sp>
+        <p:nvSpPr>
+          <p:cNvPr id="11" name="Rectangle 10">
+            <a:extLst>
+              <a:ext uri="{FF2B5EF4-FFF2-40B4-BE49-F238E27FC236}">
+                <a16:creationId xmlns:a16="http://schemas.microsoft.com/office/drawing/2014/main" id="{C692F473-7964-4969-A64D-1ED73FB41836}"/>
+              </a:ext>
+            </a:extLst>
+          </p:cNvPr>
+          <p:cNvSpPr/>
+          <p:nvPr/>
+        </p:nvSpPr>
+        <p:spPr>
+          <a:xfrm>
+            <a:off x="6212292" y="1963754"/>
+            <a:ext cx="194858" cy="356647"/>
+          </a:xfrm>
+          <a:prstGeom prst="rect">
+            <a:avLst/>
+          </a:prstGeom>
+        </p:spPr>
+        <p:style>
+          <a:lnRef idx="2">
+            <a:schemeClr val="accent1">
+              <a:shade val="50000"/>
+            </a:schemeClr>
+          </a:lnRef>
+          <a:fillRef idx="1">
+            <a:schemeClr val="accent1"/>
+          </a:fillRef>
+          <a:effectRef idx="0">
+            <a:schemeClr val="accent1"/>
+          </a:effectRef>
+          <a:fontRef idx="minor">
+            <a:schemeClr val="lt1"/>
+          </a:fontRef>
+        </p:style>
+        <p:txBody>
+          <a:bodyPr rtlCol="0" anchor="ctr"/>
+          <a:lstStyle/>
+          <a:p>
+            <a:pPr algn="ctr"/>
+            <a:r>
+              <a:rPr lang="en-US" sz="300" dirty="0"/>
+              <a:t>sweep</a:t>
+            </a:r>
+          </a:p>
+        </p:txBody>
+      </p:sp>
+      <p:sp>
+        <p:nvSpPr>
+          <p:cNvPr id="12" name="Rectangle 11">
+            <a:extLst>
+              <a:ext uri="{FF2B5EF4-FFF2-40B4-BE49-F238E27FC236}">
+                <a16:creationId xmlns:a16="http://schemas.microsoft.com/office/drawing/2014/main" id="{40D7F425-C0D4-4156-A869-30C38BF398D9}"/>
+              </a:ext>
+            </a:extLst>
+          </p:cNvPr>
+          <p:cNvSpPr/>
+          <p:nvPr/>
+        </p:nvSpPr>
+        <p:spPr>
+          <a:xfrm>
+            <a:off x="6529792" y="1963753"/>
+            <a:ext cx="194858" cy="356647"/>
+          </a:xfrm>
+          <a:prstGeom prst="rect">
+            <a:avLst/>
+          </a:prstGeom>
+        </p:spPr>
+        <p:style>
+          <a:lnRef idx="2">
+            <a:schemeClr val="accent1">
+              <a:shade val="50000"/>
+            </a:schemeClr>
+          </a:lnRef>
+          <a:fillRef idx="1">
+            <a:schemeClr val="accent1"/>
+          </a:fillRef>
+          <a:effectRef idx="0">
+            <a:schemeClr val="accent1"/>
+          </a:effectRef>
+          <a:fontRef idx="minor">
+            <a:schemeClr val="lt1"/>
+          </a:fontRef>
+        </p:style>
+        <p:txBody>
+          <a:bodyPr rtlCol="0" anchor="ctr"/>
+          <a:lstStyle/>
+          <a:p>
+            <a:pPr algn="ctr"/>
+            <a:r>
+              <a:rPr lang="en-US" sz="300" dirty="0"/>
+              <a:t>conveyer</a:t>
+            </a:r>
+          </a:p>
+        </p:txBody>
+      </p:sp>
+      <p:sp>
+        <p:nvSpPr>
+          <p:cNvPr id="13" name="Rectangle 12">
+            <a:extLst>
+              <a:ext uri="{FF2B5EF4-FFF2-40B4-BE49-F238E27FC236}">
+                <a16:creationId xmlns:a16="http://schemas.microsoft.com/office/drawing/2014/main" id="{FF68A604-9134-495C-A0EB-81B6640B7CAE}"/>
+              </a:ext>
+            </a:extLst>
+          </p:cNvPr>
+          <p:cNvSpPr/>
+          <p:nvPr/>
+        </p:nvSpPr>
+        <p:spPr>
+          <a:xfrm>
+            <a:off x="6870466" y="1963752"/>
+            <a:ext cx="194858" cy="356647"/>
+          </a:xfrm>
+          <a:prstGeom prst="rect">
+            <a:avLst/>
+          </a:prstGeom>
+        </p:spPr>
+        <p:style>
+          <a:lnRef idx="2">
+            <a:schemeClr val="accent1">
+              <a:shade val="50000"/>
+            </a:schemeClr>
+          </a:lnRef>
+          <a:fillRef idx="1">
+            <a:schemeClr val="accent1"/>
+          </a:fillRef>
+          <a:effectRef idx="0">
+            <a:schemeClr val="accent1"/>
+          </a:effectRef>
+          <a:fontRef idx="minor">
+            <a:schemeClr val="lt1"/>
+          </a:fontRef>
+        </p:style>
+        <p:txBody>
+          <a:bodyPr rtlCol="0" anchor="ctr"/>
+          <a:lstStyle/>
+          <a:p>
+            <a:pPr algn="ctr"/>
+            <a:r>
+              <a:rPr lang="en-US" sz="300" dirty="0"/>
+              <a:t>light</a:t>
+            </a:r>
+          </a:p>
+        </p:txBody>
+      </p:sp>
+      <p:sp>
+        <p:nvSpPr>
+          <p:cNvPr id="14" name="Rectangle 13">
+            <a:extLst>
+              <a:ext uri="{FF2B5EF4-FFF2-40B4-BE49-F238E27FC236}">
+                <a16:creationId xmlns:a16="http://schemas.microsoft.com/office/drawing/2014/main" id="{B02CDB75-C755-40E8-809F-1CABEBDC6A15}"/>
+              </a:ext>
+            </a:extLst>
+          </p:cNvPr>
+          <p:cNvSpPr/>
+          <p:nvPr/>
+        </p:nvSpPr>
+        <p:spPr>
+          <a:xfrm>
+            <a:off x="7212773" y="1919243"/>
+            <a:ext cx="513244" cy="401156"/>
+          </a:xfrm>
+          <a:prstGeom prst="rect">
+            <a:avLst/>
+          </a:prstGeom>
+        </p:spPr>
+        <p:style>
+          <a:lnRef idx="2">
+            <a:schemeClr val="accent1">
+              <a:shade val="50000"/>
+            </a:schemeClr>
+          </a:lnRef>
+          <a:fillRef idx="1">
+            <a:schemeClr val="accent1"/>
+          </a:fillRef>
+          <a:effectRef idx="0">
+            <a:schemeClr val="accent1"/>
+          </a:effectRef>
+          <a:fontRef idx="minor">
+            <a:schemeClr val="lt1"/>
+          </a:fontRef>
+        </p:style>
+        <p:txBody>
+          <a:bodyPr rtlCol="0" anchor="ctr"/>
+          <a:lstStyle/>
+          <a:p>
+            <a:pPr algn="ctr"/>
+            <a:r>
+              <a:rPr lang="en-US" sz="900" dirty="0"/>
+              <a:t>VRM</a:t>
+            </a:r>
+          </a:p>
+        </p:txBody>
+      </p:sp>
+      <p:sp>
+        <p:nvSpPr>
+          <p:cNvPr id="15" name="Rectangle 14">
+            <a:extLst>
+              <a:ext uri="{FF2B5EF4-FFF2-40B4-BE49-F238E27FC236}">
+                <a16:creationId xmlns:a16="http://schemas.microsoft.com/office/drawing/2014/main" id="{4D877E9E-8219-4710-9CBE-7F0A9DD078DC}"/>
+              </a:ext>
+            </a:extLst>
+          </p:cNvPr>
+          <p:cNvSpPr/>
+          <p:nvPr/>
+        </p:nvSpPr>
+        <p:spPr>
+          <a:xfrm>
+            <a:off x="3557311" y="650404"/>
+            <a:ext cx="1333254" cy="341118"/>
+          </a:xfrm>
+          <a:prstGeom prst="rect">
+            <a:avLst/>
+          </a:prstGeom>
+        </p:spPr>
+        <p:style>
+          <a:lnRef idx="2">
+            <a:schemeClr val="accent1">
+              <a:shade val="50000"/>
+            </a:schemeClr>
+          </a:lnRef>
+          <a:fillRef idx="1">
+            <a:schemeClr val="accent1"/>
+          </a:fillRef>
+          <a:effectRef idx="0">
+            <a:schemeClr val="accent1"/>
+          </a:effectRef>
+          <a:fontRef idx="minor">
+            <a:schemeClr val="lt1"/>
+          </a:fontRef>
+        </p:style>
+        <p:txBody>
+          <a:bodyPr rtlCol="0" anchor="ctr"/>
+          <a:lstStyle/>
+          <a:p>
+            <a:pPr algn="ctr"/>
+            <a:r>
+              <a:rPr lang="en-US" dirty="0"/>
+              <a:t>Compressor </a:t>
+            </a:r>
+          </a:p>
+        </p:txBody>
+      </p:sp>
+      <p:sp>
+        <p:nvSpPr>
+          <p:cNvPr id="16" name="Rectangle 15">
+            <a:extLst>
+              <a:ext uri="{FF2B5EF4-FFF2-40B4-BE49-F238E27FC236}">
+                <a16:creationId xmlns:a16="http://schemas.microsoft.com/office/drawing/2014/main" id="{E72B2E7B-B6FC-46C3-81B4-CA5E64D74F44}"/>
+              </a:ext>
+            </a:extLst>
+          </p:cNvPr>
+          <p:cNvSpPr/>
+          <p:nvPr/>
+        </p:nvSpPr>
+        <p:spPr>
+          <a:xfrm>
+            <a:off x="3707744" y="4211890"/>
+            <a:ext cx="1032387" cy="1530370"/>
+          </a:xfrm>
+          <a:prstGeom prst="rect">
+            <a:avLst/>
+          </a:prstGeom>
+        </p:spPr>
+        <p:style>
+          <a:lnRef idx="2">
+            <a:schemeClr val="accent1">
+              <a:shade val="50000"/>
+            </a:schemeClr>
+          </a:lnRef>
+          <a:fillRef idx="1">
+            <a:schemeClr val="accent1"/>
+          </a:fillRef>
+          <a:effectRef idx="0">
+            <a:schemeClr val="accent1"/>
+          </a:effectRef>
+          <a:fontRef idx="minor">
+            <a:schemeClr val="lt1"/>
+          </a:fontRef>
+        </p:style>
+        <p:txBody>
+          <a:bodyPr rtlCol="0" anchor="ctr"/>
+          <a:lstStyle/>
+          <a:p>
+            <a:pPr algn="ctr"/>
+            <a:r>
+              <a:rPr lang="en-US" dirty="0"/>
+              <a:t>PDP</a:t>
+            </a:r>
+          </a:p>
+        </p:txBody>
+      </p:sp>
+      <p:sp>
+        <p:nvSpPr>
+          <p:cNvPr id="17" name="Rectangle 16">
+            <a:extLst>
+              <a:ext uri="{FF2B5EF4-FFF2-40B4-BE49-F238E27FC236}">
+                <a16:creationId xmlns:a16="http://schemas.microsoft.com/office/drawing/2014/main" id="{C5873D99-557B-4582-9906-87CF38A373DA}"/>
+              </a:ext>
+            </a:extLst>
+          </p:cNvPr>
+          <p:cNvSpPr/>
+          <p:nvPr/>
+        </p:nvSpPr>
+        <p:spPr>
+          <a:xfrm>
+            <a:off x="3811753" y="3666932"/>
+            <a:ext cx="194858" cy="356647"/>
+          </a:xfrm>
+          <a:prstGeom prst="rect">
+            <a:avLst/>
+          </a:prstGeom>
+        </p:spPr>
+        <p:style>
+          <a:lnRef idx="2">
+            <a:schemeClr val="accent1">
+              <a:shade val="50000"/>
+            </a:schemeClr>
+          </a:lnRef>
+          <a:fillRef idx="1">
+            <a:schemeClr val="accent1"/>
+          </a:fillRef>
+          <a:effectRef idx="0">
+            <a:schemeClr val="accent1"/>
+          </a:effectRef>
+          <a:fontRef idx="minor">
+            <a:schemeClr val="lt1"/>
+          </a:fontRef>
+        </p:style>
+        <p:txBody>
+          <a:bodyPr rtlCol="0" anchor="ctr"/>
+          <a:lstStyle/>
+          <a:p>
+            <a:pPr algn="ctr"/>
+            <a:r>
+              <a:rPr lang="en-US" sz="300" dirty="0"/>
+              <a:t>elevator</a:t>
+            </a:r>
+          </a:p>
+        </p:txBody>
+      </p:sp>
+      <p:sp>
+        <p:nvSpPr>
+          <p:cNvPr id="18" name="Rectangle 17">
+            <a:extLst>
+              <a:ext uri="{FF2B5EF4-FFF2-40B4-BE49-F238E27FC236}">
+                <a16:creationId xmlns:a16="http://schemas.microsoft.com/office/drawing/2014/main" id="{53F91067-88E6-4F8C-BF08-E7A5654634F1}"/>
+              </a:ext>
+            </a:extLst>
+          </p:cNvPr>
+          <p:cNvSpPr/>
+          <p:nvPr/>
+        </p:nvSpPr>
+        <p:spPr>
+          <a:xfrm>
+            <a:off x="4324343" y="3666931"/>
+            <a:ext cx="194858" cy="356647"/>
+          </a:xfrm>
+          <a:prstGeom prst="rect">
+            <a:avLst/>
+          </a:prstGeom>
+        </p:spPr>
+        <p:style>
+          <a:lnRef idx="2">
+            <a:schemeClr val="accent1">
+              <a:shade val="50000"/>
+            </a:schemeClr>
+          </a:lnRef>
+          <a:fillRef idx="1">
+            <a:schemeClr val="accent1"/>
+          </a:fillRef>
+          <a:effectRef idx="0">
+            <a:schemeClr val="accent1"/>
+          </a:effectRef>
+          <a:fontRef idx="minor">
+            <a:schemeClr val="lt1"/>
+          </a:fontRef>
+        </p:style>
+        <p:txBody>
+          <a:bodyPr rtlCol="0" anchor="ctr"/>
+          <a:lstStyle/>
+          <a:p>
+            <a:pPr algn="ctr"/>
+            <a:r>
+              <a:rPr lang="en-US" sz="300" dirty="0"/>
+              <a:t>lock</a:t>
+            </a:r>
+          </a:p>
+        </p:txBody>
+      </p:sp>
+      <p:sp>
+        <p:nvSpPr>
+          <p:cNvPr id="20" name="TextBox 19">
+            <a:extLst>
+              <a:ext uri="{FF2B5EF4-FFF2-40B4-BE49-F238E27FC236}">
+                <a16:creationId xmlns:a16="http://schemas.microsoft.com/office/drawing/2014/main" id="{82381FF7-C5DE-4FE8-A279-58ECF4B15E32}"/>
+              </a:ext>
+            </a:extLst>
+          </p:cNvPr>
+          <p:cNvSpPr txBox="1"/>
+          <p:nvPr/>
+        </p:nvSpPr>
+        <p:spPr>
+          <a:xfrm>
+            <a:off x="5257048" y="122360"/>
+            <a:ext cx="955244" cy="369332"/>
+          </a:xfrm>
+          <a:prstGeom prst="rect">
+            <a:avLst/>
+          </a:prstGeom>
+          <a:noFill/>
+        </p:spPr>
+        <p:txBody>
+          <a:bodyPr wrap="square" rtlCol="0">
+            <a:spAutoFit/>
+          </a:bodyPr>
+          <a:lstStyle/>
+          <a:p>
+            <a:r>
+              <a:rPr lang="en-US" dirty="0"/>
+              <a:t>Front</a:t>
+            </a:r>
+          </a:p>
+        </p:txBody>
+      </p:sp>
+      <p:sp>
+        <p:nvSpPr>
+          <p:cNvPr id="21" name="Rectangle 20">
+            <a:extLst>
+              <a:ext uri="{FF2B5EF4-FFF2-40B4-BE49-F238E27FC236}">
+                <a16:creationId xmlns:a16="http://schemas.microsoft.com/office/drawing/2014/main" id="{245E827A-D597-4857-8667-29352DE5388E}"/>
+              </a:ext>
+            </a:extLst>
+          </p:cNvPr>
+          <p:cNvSpPr/>
+          <p:nvPr/>
+        </p:nvSpPr>
+        <p:spPr>
+          <a:xfrm>
+            <a:off x="6407150" y="5113862"/>
+            <a:ext cx="1181182" cy="598250"/>
+          </a:xfrm>
+          <a:prstGeom prst="rect">
+            <a:avLst/>
+          </a:prstGeom>
+        </p:spPr>
+        <p:style>
+          <a:lnRef idx="2">
+            <a:schemeClr val="accent1">
+              <a:shade val="50000"/>
+            </a:schemeClr>
+          </a:lnRef>
+          <a:fillRef idx="1">
+            <a:schemeClr val="accent1"/>
+          </a:fillRef>
+          <a:effectRef idx="0">
+            <a:schemeClr val="accent1"/>
+          </a:effectRef>
+          <a:fontRef idx="minor">
+            <a:schemeClr val="lt1"/>
+          </a:fontRef>
+        </p:style>
+        <p:txBody>
+          <a:bodyPr rtlCol="0" anchor="ctr"/>
+          <a:lstStyle/>
+          <a:p>
+            <a:pPr algn="ctr"/>
+            <a:r>
+              <a:rPr lang="en-US" sz="1200" dirty="0"/>
+              <a:t>battery</a:t>
+            </a:r>
+          </a:p>
+        </p:txBody>
+      </p:sp>
+    </p:spTree>
+    <p:extLst>
+      <p:ext uri="{BB962C8B-B14F-4D97-AF65-F5344CB8AC3E}">
+        <p14:creationId xmlns:p14="http://schemas.microsoft.com/office/powerpoint/2010/main" val="3117870817"/>
+      </p:ext>
+    </p:extLst>
+  </p:cSld>
+  <p:clrMapOvr>
+    <a:masterClrMapping/>
+  </p:clrMapOvr>
+</p:sld>
+</file>
+
+<file path=ppt/slides/slide2.xml><?xml version="1.0" encoding="utf-8"?>
+<p:sld xmlns:a="http://schemas.openxmlformats.org/drawingml/2006/main" xmlns:r="http://schemas.openxmlformats.org/officeDocument/2006/relationships" xmlns:p="http://schemas.openxmlformats.org/presentationml/2006/main">
+  <p:cSld>
+    <p:spTree>
+      <p:nvGrpSpPr>
+        <p:cNvPr id="1" name=""/>
+        <p:cNvGrpSpPr/>
+        <p:nvPr/>
+      </p:nvGrpSpPr>
+      <p:grpSpPr>
+        <a:xfrm>
+          <a:off x="0" y="0"/>
+          <a:ext cx="0" cy="0"/>
+          <a:chOff x="0" y="0"/>
+          <a:chExt cx="0" cy="0"/>
+        </a:xfrm>
+      </p:grpSpPr>
+      <p:sp>
+        <p:nvSpPr>
+          <p:cNvPr id="4" name="TextBox 3">
+            <a:extLst>
+              <a:ext uri="{FF2B5EF4-FFF2-40B4-BE49-F238E27FC236}">
+                <a16:creationId xmlns:a16="http://schemas.microsoft.com/office/drawing/2014/main" id="{2F65B7FD-C079-4C1A-AC8C-99BB0A40D134}"/>
+              </a:ext>
+            </a:extLst>
+          </p:cNvPr>
+          <p:cNvSpPr txBox="1"/>
+          <p:nvPr/>
+        </p:nvSpPr>
+        <p:spPr>
+          <a:xfrm>
+            <a:off x="2371725" y="1057275"/>
+            <a:ext cx="8124825" cy="3970318"/>
+          </a:xfrm>
+          <a:prstGeom prst="rect">
+            <a:avLst/>
+          </a:prstGeom>
+          <a:noFill/>
+        </p:spPr>
+        <p:txBody>
+          <a:bodyPr wrap="square" rtlCol="0">
+            <a:spAutoFit/>
+          </a:bodyPr>
+          <a:lstStyle/>
+          <a:p>
+            <a:r>
+              <a:rPr lang="en-US" dirty="0"/>
+              <a:t>CAN ID</a:t>
+            </a:r>
+          </a:p>
+          <a:p>
+            <a:endParaRPr lang="en-US" dirty="0"/>
+          </a:p>
+          <a:p>
+            <a:r>
+              <a:rPr lang="en-US" dirty="0"/>
+              <a:t>Drive Right 1 = 1</a:t>
+            </a:r>
+          </a:p>
+          <a:p>
+            <a:r>
+              <a:rPr lang="en-US" dirty="0"/>
+              <a:t>Drive Right 2 = 2</a:t>
+            </a:r>
+          </a:p>
+          <a:p>
+            <a:r>
+              <a:rPr lang="en-US" dirty="0"/>
+              <a:t>Drive Left 1  = 3</a:t>
+            </a:r>
+          </a:p>
+          <a:p>
+            <a:r>
+              <a:rPr lang="en-US" dirty="0"/>
+              <a:t>Drive left 2 = 4</a:t>
+            </a:r>
+          </a:p>
+          <a:p>
+            <a:r>
+              <a:rPr lang="en-US" dirty="0"/>
+              <a:t>Shooter  Top  = 5</a:t>
+            </a:r>
+          </a:p>
+          <a:p>
+            <a:r>
+              <a:rPr lang="en-US" dirty="0"/>
+              <a:t>Shooter Bottom 6</a:t>
+            </a:r>
+          </a:p>
+          <a:p>
+            <a:r>
+              <a:rPr lang="en-US" dirty="0"/>
+              <a:t>Elevator = 7</a:t>
+            </a:r>
+          </a:p>
+          <a:p>
+            <a:r>
+              <a:rPr lang="en-US" dirty="0"/>
+              <a:t>Intake = 8</a:t>
+            </a:r>
+          </a:p>
+          <a:p>
+            <a:r>
+              <a:rPr lang="en-US" dirty="0"/>
+              <a:t>Conveyer = 9</a:t>
+            </a:r>
+          </a:p>
+          <a:p>
+            <a:r>
+              <a:rPr lang="en-US" dirty="0"/>
+              <a:t>Climber = 10</a:t>
+            </a:r>
+          </a:p>
+          <a:p>
+            <a:r>
+              <a:rPr lang="en-US" dirty="0"/>
+              <a:t>Climber winch lock  = 11</a:t>
+            </a:r>
+          </a:p>
+          <a:p>
+            <a:r>
+              <a:rPr lang="en-US" dirty="0"/>
+              <a:t>Camera light = 12 </a:t>
+            </a:r>
+          </a:p>
+        </p:txBody>
+      </p:sp>
+    </p:spTree>
+    <p:extLst>
+      <p:ext uri="{BB962C8B-B14F-4D97-AF65-F5344CB8AC3E}">
+        <p14:creationId xmlns:p14="http://schemas.microsoft.com/office/powerpoint/2010/main" val="3858025882"/>
+      </p:ext>
+    </p:extLst>
+  </p:cSld>
+  <p:clrMapOvr>
+    <a:masterClrMapping/>
+  </p:clrMapOvr>
+</p:sld>
+</file>
+
+<file path=ppt/slides/slide3.xml><?xml version="1.0" encoding="utf-8"?>
+<p:sld xmlns:a="http://schemas.openxmlformats.org/drawingml/2006/main" xmlns:r="http://schemas.openxmlformats.org/officeDocument/2006/relationships" xmlns:p="http://schemas.openxmlformats.org/presentationml/2006/main">
+  <p:cSld>
+    <p:spTree>
+      <p:nvGrpSpPr>
+        <p:cNvPr id="1" name=""/>
+        <p:cNvGrpSpPr/>
+        <p:nvPr/>
+      </p:nvGrpSpPr>
+      <p:grpSpPr>
+        <a:xfrm>
+          <a:off x="0" y="0"/>
+          <a:ext cx="0" cy="0"/>
+          <a:chOff x="0" y="0"/>
+          <a:chExt cx="0" cy="0"/>
+        </a:xfrm>
+      </p:grpSpPr>
       <p:pic>
         <p:nvPicPr>
           <p:cNvPr id="6" name="Picture 5">
@@ -3778,10 +4770,10 @@
       </p:sp>
       <p:sp>
         <p:nvSpPr>
-          <p:cNvPr id="22" name="TextBox 21">
-            <a:extLst>
-              <a:ext uri="{FF2B5EF4-FFF2-40B4-BE49-F238E27FC236}">
-                <a16:creationId xmlns:a16="http://schemas.microsoft.com/office/drawing/2014/main" id="{4721C09C-EC34-451A-8F66-8CD0031158BF}"/>
+          <p:cNvPr id="24" name="TextBox 23">
+            <a:extLst>
+              <a:ext uri="{FF2B5EF4-FFF2-40B4-BE49-F238E27FC236}">
+                <a16:creationId xmlns:a16="http://schemas.microsoft.com/office/drawing/2014/main" id="{6CDA4BE6-20F0-40AA-B985-3DAA2A89E55C}"/>
               </a:ext>
             </a:extLst>
           </p:cNvPr>
@@ -3790,8 +4782,8 @@
         </p:nvSpPr>
         <p:spPr>
           <a:xfrm>
-            <a:off x="3780011" y="3121223"/>
-            <a:ext cx="1812003" cy="307777"/>
+            <a:off x="8711874" y="516677"/>
+            <a:ext cx="1317030" cy="307777"/>
           </a:xfrm>
           <a:prstGeom prst="rect">
             <a:avLst/>
@@ -3806,17 +4798,17 @@
           <a:p>
             <a:r>
               <a:rPr lang="en-US" sz="1400" dirty="0"/>
-              <a:t>Short  Shoot</a:t>
-            </a:r>
-          </a:p>
-        </p:txBody>
-      </p:sp>
-      <p:sp>
-        <p:nvSpPr>
-          <p:cNvPr id="24" name="TextBox 23">
-            <a:extLst>
-              <a:ext uri="{FF2B5EF4-FFF2-40B4-BE49-F238E27FC236}">
-                <a16:creationId xmlns:a16="http://schemas.microsoft.com/office/drawing/2014/main" id="{6CDA4BE6-20F0-40AA-B985-3DAA2A89E55C}"/>
+              <a:t>Sweeper up</a:t>
+            </a:r>
+          </a:p>
+        </p:txBody>
+      </p:sp>
+      <p:sp>
+        <p:nvSpPr>
+          <p:cNvPr id="26" name="TextBox 25">
+            <a:extLst>
+              <a:ext uri="{FF2B5EF4-FFF2-40B4-BE49-F238E27FC236}">
+                <a16:creationId xmlns:a16="http://schemas.microsoft.com/office/drawing/2014/main" id="{48E065DB-8230-4A24-B037-446414D7C109}"/>
               </a:ext>
             </a:extLst>
           </p:cNvPr>
@@ -3825,8 +4817,8 @@
         </p:nvSpPr>
         <p:spPr>
           <a:xfrm>
-            <a:off x="8711874" y="516677"/>
-            <a:ext cx="1317030" cy="307777"/>
+            <a:off x="9947786" y="1577285"/>
+            <a:ext cx="1293433" cy="338554"/>
           </a:xfrm>
           <a:prstGeom prst="rect">
             <a:avLst/>
@@ -3840,18 +4832,18 @@
           <a:lstStyle/>
           <a:p>
             <a:r>
-              <a:rPr lang="en-US" sz="1400" dirty="0"/>
-              <a:t>Sweeper up</a:t>
-            </a:r>
-          </a:p>
-        </p:txBody>
-      </p:sp>
-      <p:sp>
-        <p:nvSpPr>
-          <p:cNvPr id="26" name="TextBox 25">
-            <a:extLst>
-              <a:ext uri="{FF2B5EF4-FFF2-40B4-BE49-F238E27FC236}">
-                <a16:creationId xmlns:a16="http://schemas.microsoft.com/office/drawing/2014/main" id="{48E065DB-8230-4A24-B037-446414D7C109}"/>
+              <a:rPr lang="en-US" sz="1600" dirty="0"/>
+              <a:t>Auto Align</a:t>
+            </a:r>
+          </a:p>
+        </p:txBody>
+      </p:sp>
+      <p:sp>
+        <p:nvSpPr>
+          <p:cNvPr id="25" name="TextBox 24">
+            <a:extLst>
+              <a:ext uri="{FF2B5EF4-FFF2-40B4-BE49-F238E27FC236}">
+                <a16:creationId xmlns:a16="http://schemas.microsoft.com/office/drawing/2014/main" id="{F857E048-32F4-4730-956A-ADC295CA9AC5}"/>
               </a:ext>
             </a:extLst>
           </p:cNvPr>
@@ -3860,8 +4852,8 @@
         </p:nvSpPr>
         <p:spPr>
           <a:xfrm>
-            <a:off x="9947786" y="1577285"/>
-            <a:ext cx="1293433" cy="338554"/>
+            <a:off x="7555596" y="986459"/>
+            <a:ext cx="885179" cy="307777"/>
           </a:xfrm>
           <a:prstGeom prst="rect">
             <a:avLst/>
@@ -3869,24 +4861,24 @@
           <a:noFill/>
         </p:spPr>
         <p:txBody>
-          <a:bodyPr wrap="square">
+          <a:bodyPr wrap="none" rtlCol="0">
             <a:spAutoFit/>
           </a:bodyPr>
           <a:lstStyle/>
           <a:p>
             <a:r>
-              <a:rPr lang="en-US" sz="1600" dirty="0"/>
-              <a:t>Auto Align</a:t>
-            </a:r>
-          </a:p>
-        </p:txBody>
-      </p:sp>
-      <p:sp>
-        <p:nvSpPr>
-          <p:cNvPr id="25" name="TextBox 24">
-            <a:extLst>
-              <a:ext uri="{FF2B5EF4-FFF2-40B4-BE49-F238E27FC236}">
-                <a16:creationId xmlns:a16="http://schemas.microsoft.com/office/drawing/2014/main" id="{F857E048-32F4-4730-956A-ADC295CA9AC5}"/>
+              <a:rPr lang="en-US" sz="1400" dirty="0"/>
+              <a:t>Not used </a:t>
+            </a:r>
+          </a:p>
+        </p:txBody>
+      </p:sp>
+      <p:sp>
+        <p:nvSpPr>
+          <p:cNvPr id="28" name="TextBox 27">
+            <a:extLst>
+              <a:ext uri="{FF2B5EF4-FFF2-40B4-BE49-F238E27FC236}">
+                <a16:creationId xmlns:a16="http://schemas.microsoft.com/office/drawing/2014/main" id="{EBB4B9F0-A858-4370-A0E6-2160FDC0DD25}"/>
               </a:ext>
             </a:extLst>
           </p:cNvPr>
@@ -3895,7 +4887,7 @@
         </p:nvSpPr>
         <p:spPr>
           <a:xfrm>
-            <a:off x="7555596" y="986459"/>
+            <a:off x="9709323" y="1047545"/>
             <a:ext cx="885179" cy="307777"/>
           </a:xfrm>
           <a:prstGeom prst="rect">
@@ -3918,10 +4910,10 @@
       </p:sp>
       <p:sp>
         <p:nvSpPr>
-          <p:cNvPr id="28" name="TextBox 27">
-            <a:extLst>
-              <a:ext uri="{FF2B5EF4-FFF2-40B4-BE49-F238E27FC236}">
-                <a16:creationId xmlns:a16="http://schemas.microsoft.com/office/drawing/2014/main" id="{EBB4B9F0-A858-4370-A0E6-2160FDC0DD25}"/>
+          <p:cNvPr id="29" name="TextBox 28">
+            <a:extLst>
+              <a:ext uri="{FF2B5EF4-FFF2-40B4-BE49-F238E27FC236}">
+                <a16:creationId xmlns:a16="http://schemas.microsoft.com/office/drawing/2014/main" id="{9EFC91FE-252D-4A02-9940-F9C543A0ABD2}"/>
               </a:ext>
             </a:extLst>
           </p:cNvPr>
@@ -3930,7 +4922,7 @@
         </p:nvSpPr>
         <p:spPr>
           <a:xfrm>
-            <a:off x="9709323" y="1047545"/>
+            <a:off x="3241392" y="6348129"/>
             <a:ext cx="885179" cy="307777"/>
           </a:xfrm>
           <a:prstGeom prst="rect">
@@ -3953,10 +4945,10 @@
       </p:sp>
       <p:sp>
         <p:nvSpPr>
-          <p:cNvPr id="29" name="TextBox 28">
-            <a:extLst>
-              <a:ext uri="{FF2B5EF4-FFF2-40B4-BE49-F238E27FC236}">
-                <a16:creationId xmlns:a16="http://schemas.microsoft.com/office/drawing/2014/main" id="{9EFC91FE-252D-4A02-9940-F9C543A0ABD2}"/>
+          <p:cNvPr id="30" name="TextBox 29">
+            <a:extLst>
+              <a:ext uri="{FF2B5EF4-FFF2-40B4-BE49-F238E27FC236}">
+                <a16:creationId xmlns:a16="http://schemas.microsoft.com/office/drawing/2014/main" id="{315C9CC7-A4C2-49C7-A7A9-07C3CC0951CF}"/>
               </a:ext>
             </a:extLst>
           </p:cNvPr>
@@ -3965,8 +4957,8 @@
         </p:nvSpPr>
         <p:spPr>
           <a:xfrm>
-            <a:off x="3241392" y="6332383"/>
-            <a:ext cx="885179" cy="307777"/>
+            <a:off x="8074328" y="5358990"/>
+            <a:ext cx="732893" cy="261610"/>
           </a:xfrm>
           <a:prstGeom prst="rect">
             <a:avLst/>
@@ -3980,7 +4972,7 @@
           <a:lstStyle/>
           <a:p>
             <a:r>
-              <a:rPr lang="en-US" sz="1400" dirty="0"/>
+              <a:rPr lang="en-US" sz="1100" dirty="0"/>
               <a:t>Not used </a:t>
             </a:r>
           </a:p>
@@ -3988,10 +4980,10 @@
       </p:sp>
       <p:sp>
         <p:nvSpPr>
-          <p:cNvPr id="30" name="TextBox 29">
-            <a:extLst>
-              <a:ext uri="{FF2B5EF4-FFF2-40B4-BE49-F238E27FC236}">
-                <a16:creationId xmlns:a16="http://schemas.microsoft.com/office/drawing/2014/main" id="{315C9CC7-A4C2-49C7-A7A9-07C3CC0951CF}"/>
+          <p:cNvPr id="31" name="TextBox 30">
+            <a:extLst>
+              <a:ext uri="{FF2B5EF4-FFF2-40B4-BE49-F238E27FC236}">
+                <a16:creationId xmlns:a16="http://schemas.microsoft.com/office/drawing/2014/main" id="{A96F86F4-9413-46F1-8C5F-A74AEE6B219A}"/>
               </a:ext>
             </a:extLst>
           </p:cNvPr>
@@ -4000,7 +4992,7 @@
         </p:nvSpPr>
         <p:spPr>
           <a:xfrm>
-            <a:off x="8074328" y="5358990"/>
+            <a:off x="9493398" y="5887724"/>
             <a:ext cx="732893" cy="261610"/>
           </a:xfrm>
           <a:prstGeom prst="rect">
@@ -4023,10 +5015,10 @@
       </p:sp>
       <p:sp>
         <p:nvSpPr>
-          <p:cNvPr id="31" name="TextBox 30">
-            <a:extLst>
-              <a:ext uri="{FF2B5EF4-FFF2-40B4-BE49-F238E27FC236}">
-                <a16:creationId xmlns:a16="http://schemas.microsoft.com/office/drawing/2014/main" id="{A96F86F4-9413-46F1-8C5F-A74AEE6B219A}"/>
+          <p:cNvPr id="23" name="TextBox 22">
+            <a:extLst>
+              <a:ext uri="{FF2B5EF4-FFF2-40B4-BE49-F238E27FC236}">
+                <a16:creationId xmlns:a16="http://schemas.microsoft.com/office/drawing/2014/main" id="{D05F9DB4-E4E6-48A3-9713-414BDE65D81A}"/>
               </a:ext>
             </a:extLst>
           </p:cNvPr>
@@ -4035,8 +5027,8 @@
         </p:nvSpPr>
         <p:spPr>
           <a:xfrm>
-            <a:off x="9493398" y="5887724"/>
-            <a:ext cx="732893" cy="261610"/>
+            <a:off x="4104968" y="3120602"/>
+            <a:ext cx="885179" cy="307777"/>
           </a:xfrm>
           <a:prstGeom prst="rect">
             <a:avLst/>
@@ -4050,7 +5042,7 @@
           <a:lstStyle/>
           <a:p>
             <a:r>
-              <a:rPr lang="en-US" sz="1100" dirty="0"/>
+              <a:rPr lang="en-US" sz="1400" dirty="0"/>
               <a:t>Not used </a:t>
             </a:r>
           </a:p>

--- a/Controls.pptx
+++ b/Controls.pptx
@@ -261,7 +261,7 @@
           <a:p>
             <a:fld id="{5C123993-4ADA-4712-8C1C-5A03B9DFC7AE}" type="datetimeFigureOut">
               <a:rPr lang="en-US" smtClean="0"/>
-              <a:t>2/22/2022</a:t>
+              <a:t>2/24/2022</a:t>
             </a:fld>
             <a:endParaRPr lang="en-US"/>
           </a:p>
@@ -459,7 +459,7 @@
           <a:p>
             <a:fld id="{5C123993-4ADA-4712-8C1C-5A03B9DFC7AE}" type="datetimeFigureOut">
               <a:rPr lang="en-US" smtClean="0"/>
-              <a:t>2/22/2022</a:t>
+              <a:t>2/24/2022</a:t>
             </a:fld>
             <a:endParaRPr lang="en-US"/>
           </a:p>
@@ -667,7 +667,7 @@
           <a:p>
             <a:fld id="{5C123993-4ADA-4712-8C1C-5A03B9DFC7AE}" type="datetimeFigureOut">
               <a:rPr lang="en-US" smtClean="0"/>
-              <a:t>2/22/2022</a:t>
+              <a:t>2/24/2022</a:t>
             </a:fld>
             <a:endParaRPr lang="en-US"/>
           </a:p>
@@ -865,7 +865,7 @@
           <a:p>
             <a:fld id="{5C123993-4ADA-4712-8C1C-5A03B9DFC7AE}" type="datetimeFigureOut">
               <a:rPr lang="en-US" smtClean="0"/>
-              <a:t>2/22/2022</a:t>
+              <a:t>2/24/2022</a:t>
             </a:fld>
             <a:endParaRPr lang="en-US"/>
           </a:p>
@@ -1140,7 +1140,7 @@
           <a:p>
             <a:fld id="{5C123993-4ADA-4712-8C1C-5A03B9DFC7AE}" type="datetimeFigureOut">
               <a:rPr lang="en-US" smtClean="0"/>
-              <a:t>2/22/2022</a:t>
+              <a:t>2/24/2022</a:t>
             </a:fld>
             <a:endParaRPr lang="en-US"/>
           </a:p>
@@ -1405,7 +1405,7 @@
           <a:p>
             <a:fld id="{5C123993-4ADA-4712-8C1C-5A03B9DFC7AE}" type="datetimeFigureOut">
               <a:rPr lang="en-US" smtClean="0"/>
-              <a:t>2/22/2022</a:t>
+              <a:t>2/24/2022</a:t>
             </a:fld>
             <a:endParaRPr lang="en-US"/>
           </a:p>
@@ -1817,7 +1817,7 @@
           <a:p>
             <a:fld id="{5C123993-4ADA-4712-8C1C-5A03B9DFC7AE}" type="datetimeFigureOut">
               <a:rPr lang="en-US" smtClean="0"/>
-              <a:t>2/22/2022</a:t>
+              <a:t>2/24/2022</a:t>
             </a:fld>
             <a:endParaRPr lang="en-US"/>
           </a:p>
@@ -1958,7 +1958,7 @@
           <a:p>
             <a:fld id="{5C123993-4ADA-4712-8C1C-5A03B9DFC7AE}" type="datetimeFigureOut">
               <a:rPr lang="en-US" smtClean="0"/>
-              <a:t>2/22/2022</a:t>
+              <a:t>2/24/2022</a:t>
             </a:fld>
             <a:endParaRPr lang="en-US"/>
           </a:p>
@@ -2071,7 +2071,7 @@
           <a:p>
             <a:fld id="{5C123993-4ADA-4712-8C1C-5A03B9DFC7AE}" type="datetimeFigureOut">
               <a:rPr lang="en-US" smtClean="0"/>
-              <a:t>2/22/2022</a:t>
+              <a:t>2/24/2022</a:t>
             </a:fld>
             <a:endParaRPr lang="en-US"/>
           </a:p>
@@ -2382,7 +2382,7 @@
           <a:p>
             <a:fld id="{5C123993-4ADA-4712-8C1C-5A03B9DFC7AE}" type="datetimeFigureOut">
               <a:rPr lang="en-US" smtClean="0"/>
-              <a:t>2/22/2022</a:t>
+              <a:t>2/24/2022</a:t>
             </a:fld>
             <a:endParaRPr lang="en-US"/>
           </a:p>
@@ -2670,7 +2670,7 @@
           <a:p>
             <a:fld id="{5C123993-4ADA-4712-8C1C-5A03B9DFC7AE}" type="datetimeFigureOut">
               <a:rPr lang="en-US" smtClean="0"/>
-              <a:t>2/22/2022</a:t>
+              <a:t>2/24/2022</a:t>
             </a:fld>
             <a:endParaRPr lang="en-US"/>
           </a:p>
@@ -2911,7 +2911,7 @@
           <a:p>
             <a:fld id="{5C123993-4ADA-4712-8C1C-5A03B9DFC7AE}" type="datetimeFigureOut">
               <a:rPr lang="en-US" smtClean="0"/>
-              <a:t>2/22/2022</a:t>
+              <a:t>2/24/2022</a:t>
             </a:fld>
             <a:endParaRPr lang="en-US"/>
           </a:p>
@@ -3490,7 +3490,7 @@
         </p:nvSpPr>
         <p:spPr>
           <a:xfrm>
-            <a:off x="3641506" y="1814133"/>
+            <a:off x="4315074" y="1938632"/>
             <a:ext cx="681724" cy="260350"/>
           </a:xfrm>
           <a:prstGeom prst="rect">
@@ -3539,7 +3539,7 @@
         </p:nvSpPr>
         <p:spPr>
           <a:xfrm>
-            <a:off x="4512512" y="1814133"/>
+            <a:off x="4340757" y="2138695"/>
             <a:ext cx="681724" cy="260350"/>
           </a:xfrm>
           <a:prstGeom prst="rect">
@@ -3588,7 +3588,7 @@
         </p:nvSpPr>
         <p:spPr>
           <a:xfrm>
-            <a:off x="3641506" y="2303083"/>
+            <a:off x="3557311" y="2138695"/>
             <a:ext cx="681724" cy="260350"/>
           </a:xfrm>
           <a:prstGeom prst="rect">
@@ -3637,7 +3637,7 @@
         </p:nvSpPr>
         <p:spPr>
           <a:xfrm>
-            <a:off x="4519201" y="2300972"/>
+            <a:off x="3557311" y="1929683"/>
             <a:ext cx="681724" cy="260350"/>
           </a:xfrm>
           <a:prstGeom prst="rect">
@@ -3686,7 +3686,7 @@
         </p:nvSpPr>
         <p:spPr>
           <a:xfrm>
-            <a:off x="6212292" y="1963754"/>
+            <a:off x="6728327" y="3661643"/>
             <a:ext cx="194858" cy="356647"/>
           </a:xfrm>
           <a:prstGeom prst="rect">
@@ -3735,7 +3735,7 @@
         </p:nvSpPr>
         <p:spPr>
           <a:xfrm>
-            <a:off x="6529792" y="1963753"/>
+            <a:off x="7017915" y="3666931"/>
             <a:ext cx="194858" cy="356647"/>
           </a:xfrm>
           <a:prstGeom prst="rect">
@@ -3784,7 +3784,7 @@
         </p:nvSpPr>
         <p:spPr>
           <a:xfrm>
-            <a:off x="6870466" y="1963752"/>
+            <a:off x="7361695" y="3666931"/>
             <a:ext cx="194858" cy="356647"/>
           </a:xfrm>
           <a:prstGeom prst="rect">
@@ -3833,7 +3833,7 @@
         </p:nvSpPr>
         <p:spPr>
           <a:xfrm>
-            <a:off x="7212773" y="1919243"/>
+            <a:off x="6558894" y="1938632"/>
             <a:ext cx="513244" cy="401156"/>
           </a:xfrm>
           <a:prstGeom prst="rect">
@@ -3980,7 +3980,7 @@
         </p:nvSpPr>
         <p:spPr>
           <a:xfrm>
-            <a:off x="3811753" y="3666932"/>
+            <a:off x="6117562" y="3661642"/>
             <a:ext cx="194858" cy="356647"/>
           </a:xfrm>
           <a:prstGeom prst="rect">
@@ -4029,7 +4029,7 @@
         </p:nvSpPr>
         <p:spPr>
           <a:xfrm>
-            <a:off x="4324343" y="3666931"/>
+            <a:off x="6407150" y="3661642"/>
             <a:ext cx="194858" cy="356647"/>
           </a:xfrm>
           <a:prstGeom prst="rect">
@@ -4887,8 +4887,8 @@
         </p:nvSpPr>
         <p:spPr>
           <a:xfrm>
-            <a:off x="9709323" y="1047545"/>
-            <a:ext cx="885179" cy="307777"/>
+            <a:off x="9598202" y="1055474"/>
+            <a:ext cx="1026243" cy="261610"/>
           </a:xfrm>
           <a:prstGeom prst="rect">
             <a:avLst/>
@@ -4902,8 +4902,8 @@
           <a:lstStyle/>
           <a:p>
             <a:r>
-              <a:rPr lang="en-US" sz="1400" dirty="0"/>
-              <a:t>Not used </a:t>
+              <a:rPr lang="en-US" sz="1100" dirty="0"/>
+              <a:t>Climb override</a:t>
             </a:r>
           </a:p>
         </p:txBody>
